--- a/6.Crypto/1.Full Course/6.DiffieHelman/Cryptology6-Diffie-Hellman.pptx
+++ b/6.Crypto/1.Full Course/6.DiffieHelman/Cryptology6-Diffie-Hellman.pptx
@@ -5,7 +5,7 @@
     <p:sldMasterId id="2147483648" r:id="rId1"/>
   </p:sldMasterIdLst>
   <p:notesMasterIdLst>
-    <p:notesMasterId r:id="rId17"/>
+    <p:notesMasterId r:id="rId18"/>
   </p:notesMasterIdLst>
   <p:sldIdLst>
     <p:sldId id="256" r:id="rId2"/>
@@ -23,6 +23,7 @@
     <p:sldId id="266" r:id="rId14"/>
     <p:sldId id="272" r:id="rId15"/>
     <p:sldId id="275" r:id="rId16"/>
+    <p:sldId id="277" r:id="rId17"/>
   </p:sldIdLst>
   <p:sldSz cx="12192000" cy="6858000"/>
   <p:notesSz cx="6858000" cy="9144000"/>
@@ -214,7 +215,7 @@
           <a:p>
             <a:fld id="{8F1BD06C-C81C-47D7-B7EE-28E1C7297220}" type="datetimeFigureOut">
               <a:rPr lang="en-US" smtClean="0"/>
-              <a:t>3/13/2023</a:t>
+              <a:t>2/26/2024</a:t>
             </a:fld>
             <a:endParaRPr lang="en-US"/>
           </a:p>
@@ -2193,7 +2194,7 @@
           <a:p>
             <a:fld id="{FAD5841D-BCB9-45F1-AE12-EC4A780766DC}" type="datetimeFigureOut">
               <a:rPr lang="en-US" smtClean="0"/>
-              <a:t>3/13/2023</a:t>
+              <a:t>2/26/2024</a:t>
             </a:fld>
             <a:endParaRPr lang="en-US"/>
           </a:p>
@@ -2391,7 +2392,7 @@
           <a:p>
             <a:fld id="{FAD5841D-BCB9-45F1-AE12-EC4A780766DC}" type="datetimeFigureOut">
               <a:rPr lang="en-US" smtClean="0"/>
-              <a:t>3/13/2023</a:t>
+              <a:t>2/26/2024</a:t>
             </a:fld>
             <a:endParaRPr lang="en-US"/>
           </a:p>
@@ -2599,7 +2600,7 @@
           <a:p>
             <a:fld id="{FAD5841D-BCB9-45F1-AE12-EC4A780766DC}" type="datetimeFigureOut">
               <a:rPr lang="en-US" smtClean="0"/>
-              <a:t>3/13/2023</a:t>
+              <a:t>2/26/2024</a:t>
             </a:fld>
             <a:endParaRPr lang="en-US"/>
           </a:p>
@@ -2797,7 +2798,7 @@
           <a:p>
             <a:fld id="{FAD5841D-BCB9-45F1-AE12-EC4A780766DC}" type="datetimeFigureOut">
               <a:rPr lang="en-US" smtClean="0"/>
-              <a:t>3/13/2023</a:t>
+              <a:t>2/26/2024</a:t>
             </a:fld>
             <a:endParaRPr lang="en-US"/>
           </a:p>
@@ -3072,7 +3073,7 @@
           <a:p>
             <a:fld id="{FAD5841D-BCB9-45F1-AE12-EC4A780766DC}" type="datetimeFigureOut">
               <a:rPr lang="en-US" smtClean="0"/>
-              <a:t>3/13/2023</a:t>
+              <a:t>2/26/2024</a:t>
             </a:fld>
             <a:endParaRPr lang="en-US"/>
           </a:p>
@@ -3337,7 +3338,7 @@
           <a:p>
             <a:fld id="{FAD5841D-BCB9-45F1-AE12-EC4A780766DC}" type="datetimeFigureOut">
               <a:rPr lang="en-US" smtClean="0"/>
-              <a:t>3/13/2023</a:t>
+              <a:t>2/26/2024</a:t>
             </a:fld>
             <a:endParaRPr lang="en-US"/>
           </a:p>
@@ -3749,7 +3750,7 @@
           <a:p>
             <a:fld id="{FAD5841D-BCB9-45F1-AE12-EC4A780766DC}" type="datetimeFigureOut">
               <a:rPr lang="en-US" smtClean="0"/>
-              <a:t>3/13/2023</a:t>
+              <a:t>2/26/2024</a:t>
             </a:fld>
             <a:endParaRPr lang="en-US"/>
           </a:p>
@@ -3890,7 +3891,7 @@
           <a:p>
             <a:fld id="{FAD5841D-BCB9-45F1-AE12-EC4A780766DC}" type="datetimeFigureOut">
               <a:rPr lang="en-US" smtClean="0"/>
-              <a:t>3/13/2023</a:t>
+              <a:t>2/26/2024</a:t>
             </a:fld>
             <a:endParaRPr lang="en-US"/>
           </a:p>
@@ -4003,7 +4004,7 @@
           <a:p>
             <a:fld id="{FAD5841D-BCB9-45F1-AE12-EC4A780766DC}" type="datetimeFigureOut">
               <a:rPr lang="en-US" smtClean="0"/>
-              <a:t>3/13/2023</a:t>
+              <a:t>2/26/2024</a:t>
             </a:fld>
             <a:endParaRPr lang="en-US"/>
           </a:p>
@@ -4314,7 +4315,7 @@
           <a:p>
             <a:fld id="{FAD5841D-BCB9-45F1-AE12-EC4A780766DC}" type="datetimeFigureOut">
               <a:rPr lang="en-US" smtClean="0"/>
-              <a:t>3/13/2023</a:t>
+              <a:t>2/26/2024</a:t>
             </a:fld>
             <a:endParaRPr lang="en-US"/>
           </a:p>
@@ -4602,7 +4603,7 @@
           <a:p>
             <a:fld id="{FAD5841D-BCB9-45F1-AE12-EC4A780766DC}" type="datetimeFigureOut">
               <a:rPr lang="en-US" smtClean="0"/>
-              <a:t>3/13/2023</a:t>
+              <a:t>2/26/2024</a:t>
             </a:fld>
             <a:endParaRPr lang="en-US"/>
           </a:p>
@@ -4843,7 +4844,7 @@
           <a:p>
             <a:fld id="{FAD5841D-BCB9-45F1-AE12-EC4A780766DC}" type="datetimeFigureOut">
               <a:rPr lang="en-US" smtClean="0"/>
-              <a:t>3/13/2023</a:t>
+              <a:t>2/26/2024</a:t>
             </a:fld>
             <a:endParaRPr lang="en-US"/>
           </a:p>
@@ -5713,7 +5714,7 @@
             </a:r>
             <a:r>
               <a:rPr lang="en-US" dirty="0"/>
-              <a:t> = 3, 2, and 16</a:t>
+              <a:t> = 3, 2, 4, and 16</a:t>
             </a:r>
           </a:p>
         </p:txBody>
@@ -5785,7 +5786,7 @@
             </a:pPr>
             <a:r>
               <a:rPr lang="en-US" dirty="0"/>
-              <a:t>Good			OK		Bad		       Awful</a:t>
+              <a:t>Good		      OK			Bad		           Awful</a:t>
             </a:r>
           </a:p>
           <a:p>
@@ -5796,10 +5797,10 @@
       </p:sp>
       <p:pic>
         <p:nvPicPr>
-          <p:cNvPr id="20" name="Picture 19">
-            <a:extLst>
-              <a:ext uri="{FF2B5EF4-FFF2-40B4-BE49-F238E27FC236}">
-                <a16:creationId xmlns:a16="http://schemas.microsoft.com/office/drawing/2014/main" id="{AD1ABD1B-CA9F-4838-9C15-3BEF120DE7B7}"/>
+          <p:cNvPr id="5" name="Picture 4">
+            <a:extLst>
+              <a:ext uri="{FF2B5EF4-FFF2-40B4-BE49-F238E27FC236}">
+                <a16:creationId xmlns:a16="http://schemas.microsoft.com/office/drawing/2014/main" id="{5342DD64-64AF-2C7E-C795-E984D69EA5BB}"/>
               </a:ext>
             </a:extLst>
           </p:cNvPr>
@@ -5808,16 +5809,15 @@
           </p:cNvPicPr>
           <p:nvPr/>
         </p:nvPicPr>
-        <p:blipFill>
+        <p:blipFill rotWithShape="1">
           <a:blip r:embed="rId3"/>
-          <a:stretch>
-            <a:fillRect/>
-          </a:stretch>
+          <a:srcRect t="7431" b="3161"/>
+          <a:stretch/>
         </p:blipFill>
         <p:spPr>
           <a:xfrm>
-            <a:off x="930760" y="2424111"/>
-            <a:ext cx="2412516" cy="4068763"/>
+            <a:off x="642865" y="2418541"/>
+            <a:ext cx="2662281" cy="3779563"/>
           </a:xfrm>
           <a:prstGeom prst="rect">
             <a:avLst/>
@@ -5826,10 +5826,10 @@
       </p:pic>
       <p:pic>
         <p:nvPicPr>
-          <p:cNvPr id="21" name="Picture 20">
-            <a:extLst>
-              <a:ext uri="{FF2B5EF4-FFF2-40B4-BE49-F238E27FC236}">
-                <a16:creationId xmlns:a16="http://schemas.microsoft.com/office/drawing/2014/main" id="{8C6AF9C0-D256-4E19-B3C4-0CEE912AF6CB}"/>
+          <p:cNvPr id="7" name="Picture 6">
+            <a:extLst>
+              <a:ext uri="{FF2B5EF4-FFF2-40B4-BE49-F238E27FC236}">
+                <a16:creationId xmlns:a16="http://schemas.microsoft.com/office/drawing/2014/main" id="{B778EF1F-90AF-7531-67FA-FFE7C13D592F}"/>
               </a:ext>
             </a:extLst>
           </p:cNvPr>
@@ -5838,16 +5838,15 @@
           </p:cNvPicPr>
           <p:nvPr/>
         </p:nvPicPr>
-        <p:blipFill>
+        <p:blipFill rotWithShape="1">
           <a:blip r:embed="rId4"/>
-          <a:stretch>
-            <a:fillRect/>
-          </a:stretch>
+          <a:srcRect b="1557"/>
+          <a:stretch/>
         </p:blipFill>
         <p:spPr>
           <a:xfrm>
-            <a:off x="3478834" y="2424111"/>
-            <a:ext cx="2412515" cy="4068763"/>
+            <a:off x="3143206" y="2410638"/>
+            <a:ext cx="2520867" cy="3855571"/>
           </a:xfrm>
           <a:prstGeom prst="rect">
             <a:avLst/>
@@ -5856,10 +5855,10 @@
       </p:pic>
       <p:pic>
         <p:nvPicPr>
-          <p:cNvPr id="22" name="Picture 21">
-            <a:extLst>
-              <a:ext uri="{FF2B5EF4-FFF2-40B4-BE49-F238E27FC236}">
-                <a16:creationId xmlns:a16="http://schemas.microsoft.com/office/drawing/2014/main" id="{3886709D-CEFC-4179-A684-F81A97AF3079}"/>
+          <p:cNvPr id="9" name="Picture 8">
+            <a:extLst>
+              <a:ext uri="{FF2B5EF4-FFF2-40B4-BE49-F238E27FC236}">
+                <a16:creationId xmlns:a16="http://schemas.microsoft.com/office/drawing/2014/main" id="{FED965B7-912E-4AF7-1437-D91BF1889E39}"/>
               </a:ext>
             </a:extLst>
           </p:cNvPr>
@@ -5876,8 +5875,8 @@
         </p:blipFill>
         <p:spPr>
           <a:xfrm>
-            <a:off x="8449521" y="2553629"/>
-            <a:ext cx="2624838" cy="3855571"/>
+            <a:off x="5405463" y="2410638"/>
+            <a:ext cx="2758951" cy="3855570"/>
           </a:xfrm>
           <a:prstGeom prst="rect">
             <a:avLst/>
@@ -5886,10 +5885,10 @@
       </p:pic>
       <p:pic>
         <p:nvPicPr>
-          <p:cNvPr id="3" name="Picture 2">
-            <a:extLst>
-              <a:ext uri="{FF2B5EF4-FFF2-40B4-BE49-F238E27FC236}">
-                <a16:creationId xmlns:a16="http://schemas.microsoft.com/office/drawing/2014/main" id="{502197A0-9309-4CF1-AAD7-0F12C2A25626}"/>
+          <p:cNvPr id="11" name="Picture 10">
+            <a:extLst>
+              <a:ext uri="{FF2B5EF4-FFF2-40B4-BE49-F238E27FC236}">
+                <a16:creationId xmlns:a16="http://schemas.microsoft.com/office/drawing/2014/main" id="{4CAB0D0C-63D6-C021-7D90-F2651BAEA36F}"/>
               </a:ext>
             </a:extLst>
           </p:cNvPr>
@@ -5898,15 +5897,16 @@
           </p:cNvPicPr>
           <p:nvPr/>
         </p:nvPicPr>
-        <p:blipFill rotWithShape="1">
+        <p:blipFill>
           <a:blip r:embed="rId6"/>
-          <a:srcRect l="8089"/>
-          <a:stretch/>
+          <a:stretch>
+            <a:fillRect/>
+          </a:stretch>
         </p:blipFill>
         <p:spPr>
           <a:xfrm>
-            <a:off x="5757564" y="2431593"/>
-            <a:ext cx="2488877" cy="3977607"/>
+            <a:off x="8164414" y="2410638"/>
+            <a:ext cx="2799250" cy="3855570"/>
           </a:xfrm>
           <a:prstGeom prst="rect">
             <a:avLst/>
@@ -6571,70 +6571,72 @@
         </p:nvSpPr>
         <p:spPr/>
         <p:txBody>
-          <a:bodyPr/>
-          <a:lstStyle/>
-          <a:p>
-            <a:r>
-              <a:rPr lang="en-US" dirty="0"/>
-              <a:t>Create a new key for every session</a:t>
-            </a:r>
-          </a:p>
-          <a:p>
-            <a:r>
-              <a:rPr lang="en-US" dirty="0"/>
+          <a:bodyPr>
+            <a:normAutofit fontScale="92500" lnSpcReduction="10000"/>
+          </a:bodyPr>
+          <a:lstStyle/>
+          <a:p>
+            <a:r>
+              <a:rPr lang="en-US" sz="3600" dirty="0"/>
+              <a:t>By itself, DHKE does not provide authentication or protect against Man in the Middle (MITM) attacks</a:t>
+            </a:r>
+          </a:p>
+          <a:p>
+            <a:pPr lvl="1"/>
+            <a:r>
+              <a:rPr lang="en-US" sz="3200" dirty="0"/>
+              <a:t>DHKE is often put inside a certificate authentication, and DHKE messages are signed with certificate private key</a:t>
+            </a:r>
+          </a:p>
+          <a:p>
+            <a:r>
+              <a:rPr lang="en-US" sz="3600" dirty="0"/>
               <a:t>Shared value, α</a:t>
             </a:r>
             <a:r>
-              <a:rPr lang="en-US" baseline="30000" dirty="0"/>
+              <a:rPr lang="en-US" sz="3600" baseline="30000" dirty="0"/>
               <a:t>ab</a:t>
             </a:r>
             <a:r>
-              <a:rPr lang="en-US" dirty="0"/>
+              <a:rPr lang="en-US" sz="3600" dirty="0"/>
               <a:t> mod p, is not usually used as the key</a:t>
             </a:r>
           </a:p>
           <a:p>
-            <a:r>
-              <a:rPr lang="en-US" dirty="0"/>
+            <a:pPr lvl="1"/>
+            <a:r>
+              <a:rPr lang="en-US" sz="3200" dirty="0"/>
               <a:t>Both sides put the shared value into a Key Derivation Function (KDF)</a:t>
             </a:r>
           </a:p>
           <a:p>
-            <a:r>
-              <a:rPr lang="en-US" dirty="0"/>
+            <a:pPr lvl="1"/>
+            <a:r>
+              <a:rPr lang="en-US" sz="3200" dirty="0"/>
               <a:t>KDF involves hashing, padding, and a nonce or salt</a:t>
             </a:r>
           </a:p>
           <a:p>
             <a:pPr lvl="1"/>
             <a:r>
-              <a:rPr lang="en-US" dirty="0"/>
+              <a:rPr lang="en-US" sz="3200" dirty="0"/>
               <a:t>Both sides get same output from KDF with same shared value</a:t>
             </a:r>
           </a:p>
           <a:p>
-            <a:r>
-              <a:rPr lang="en-US" dirty="0"/>
+            <a:pPr lvl="1"/>
+            <a:r>
+              <a:rPr lang="en-US" sz="3200" dirty="0"/>
               <a:t>KDF protects α</a:t>
             </a:r>
             <a:r>
-              <a:rPr lang="en-US" baseline="30000" dirty="0"/>
+              <a:rPr lang="en-US" sz="3200" baseline="30000" dirty="0"/>
               <a:t>ab</a:t>
             </a:r>
             <a:r>
-              <a:rPr lang="en-US" dirty="0"/>
-              <a:t> mod p</a:t>
-            </a:r>
-          </a:p>
-          <a:p>
-            <a:pPr lvl="1"/>
-            <a:r>
-              <a:rPr lang="en-US" dirty="0"/>
-              <a:t>Makes keys appear to be even more random</a:t>
-            </a:r>
-          </a:p>
-          <a:p>
-            <a:endParaRPr lang="en-US" dirty="0"/>
+              <a:rPr lang="en-US" sz="3200" dirty="0"/>
+              <a:t> mod p, makes it look even more random</a:t>
+            </a:r>
           </a:p>
         </p:txBody>
       </p:sp>
@@ -6642,6 +6644,124 @@
     <p:extLst>
       <p:ext uri="{BB962C8B-B14F-4D97-AF65-F5344CB8AC3E}">
         <p14:creationId xmlns:p14="http://schemas.microsoft.com/office/powerpoint/2010/main" val="4118987166"/>
+      </p:ext>
+    </p:extLst>
+  </p:cSld>
+  <p:clrMapOvr>
+    <a:masterClrMapping/>
+  </p:clrMapOvr>
+</p:sld>
+</file>
+
+<file path=ppt/slides/slide16.xml><?xml version="1.0" encoding="utf-8"?>
+<p:sld xmlns:a="http://schemas.openxmlformats.org/drawingml/2006/main" xmlns:r="http://schemas.openxmlformats.org/officeDocument/2006/relationships" xmlns:p="http://schemas.openxmlformats.org/presentationml/2006/main">
+  <p:cSld>
+    <p:spTree>
+      <p:nvGrpSpPr>
+        <p:cNvPr id="1" name="">
+          <a:extLst>
+            <a:ext uri="{FF2B5EF4-FFF2-40B4-BE49-F238E27FC236}">
+              <a16:creationId xmlns:a16="http://schemas.microsoft.com/office/drawing/2014/main" id="{1DA10A75-534F-F2BB-6CCF-1FA8016097CE}"/>
+            </a:ext>
+          </a:extLst>
+        </p:cNvPr>
+        <p:cNvGrpSpPr/>
+        <p:nvPr/>
+      </p:nvGrpSpPr>
+      <p:grpSpPr>
+        <a:xfrm>
+          <a:off x="0" y="0"/>
+          <a:ext cx="0" cy="0"/>
+          <a:chOff x="0" y="0"/>
+          <a:chExt cx="0" cy="0"/>
+        </a:xfrm>
+      </p:grpSpPr>
+      <p:sp>
+        <p:nvSpPr>
+          <p:cNvPr id="2" name="Title 1">
+            <a:extLst>
+              <a:ext uri="{FF2B5EF4-FFF2-40B4-BE49-F238E27FC236}">
+                <a16:creationId xmlns:a16="http://schemas.microsoft.com/office/drawing/2014/main" id="{A2701F76-B01C-21F1-CC52-24A6E3347497}"/>
+              </a:ext>
+            </a:extLst>
+          </p:cNvPr>
+          <p:cNvSpPr>
+            <a:spLocks noGrp="1"/>
+          </p:cNvSpPr>
+          <p:nvPr>
+            <p:ph type="title"/>
+          </p:nvPr>
+        </p:nvSpPr>
+        <p:spPr/>
+        <p:txBody>
+          <a:bodyPr/>
+          <a:lstStyle/>
+          <a:p>
+            <a:r>
+              <a:rPr lang="en-US" dirty="0"/>
+              <a:t>Ephemeral Diffie-Hellman</a:t>
+            </a:r>
+          </a:p>
+        </p:txBody>
+      </p:sp>
+      <p:sp>
+        <p:nvSpPr>
+          <p:cNvPr id="3" name="Content Placeholder 2">
+            <a:extLst>
+              <a:ext uri="{FF2B5EF4-FFF2-40B4-BE49-F238E27FC236}">
+                <a16:creationId xmlns:a16="http://schemas.microsoft.com/office/drawing/2014/main" id="{2578494F-29F0-26B6-199E-101F391CB972}"/>
+              </a:ext>
+            </a:extLst>
+          </p:cNvPr>
+          <p:cNvSpPr>
+            <a:spLocks noGrp="1"/>
+          </p:cNvSpPr>
+          <p:nvPr>
+            <p:ph idx="1"/>
+          </p:nvPr>
+        </p:nvSpPr>
+        <p:spPr/>
+        <p:txBody>
+          <a:bodyPr/>
+          <a:lstStyle/>
+          <a:p>
+            <a:r>
+              <a:rPr lang="en-US" dirty="0"/>
+              <a:t>The common type of </a:t>
+            </a:r>
+            <a:r>
+              <a:rPr lang="en-US"/>
+              <a:t>DHKE is </a:t>
+            </a:r>
+            <a:r>
+              <a:rPr lang="en-US" dirty="0"/>
+              <a:t>called “ephemeral” because the key changes every session</a:t>
+            </a:r>
+          </a:p>
+          <a:p>
+            <a:r>
+              <a:rPr lang="en-US" dirty="0"/>
+              <a:t>Ephemeral DHKE is used inside an authentication method (often digital certificates), and the DHKE is signed with the certificate private key to protect against MITM attacks</a:t>
+            </a:r>
+          </a:p>
+          <a:p>
+            <a:r>
+              <a:rPr lang="en-US" dirty="0"/>
+              <a:t>Static DHKE keeps the same key all the time—not used</a:t>
+            </a:r>
+          </a:p>
+          <a:p>
+            <a:r>
+              <a:rPr lang="en-US" dirty="0"/>
+              <a:t>Anonymous DHKE changes the key but does not have a method to authenticate or prevent MITM—bad idea.</a:t>
+            </a:r>
+          </a:p>
+        </p:txBody>
+      </p:sp>
+    </p:spTree>
+    <p:extLst>
+      <p:ext uri="{BB962C8B-B14F-4D97-AF65-F5344CB8AC3E}">
+        <p14:creationId xmlns:p14="http://schemas.microsoft.com/office/powerpoint/2010/main" val="4270293522"/>
       </p:ext>
     </p:extLst>
   </p:cSld>
@@ -7272,7 +7392,7 @@
             <a:pPr lvl="1"/>
             <a:r>
               <a:rPr lang="en-US" dirty="0"/>
-              <a:t>α must be carefully selected</a:t>
+              <a:t>p and α must be carefully selected</a:t>
             </a:r>
           </a:p>
           <a:p>
@@ -7281,15 +7401,7 @@
             </a:pPr>
             <a:r>
               <a:rPr lang="en-US" sz="2400" dirty="0"/>
-              <a:t>*Selection of p and α is not simple, </a:t>
-            </a:r>
-            <a:r>
-              <a:rPr lang="en-US" sz="2400"/>
-              <a:t>so many </a:t>
-            </a:r>
-            <a:r>
-              <a:rPr lang="en-US" sz="2400" dirty="0"/>
-              <a:t>implementations use the same values.  This was not thought to be a problem, but there are now attacks that allow much of the DLP problem to be solved ahead of time if the value of p is known.  When p is 512 bits and known ahead of time, server class machines can solve the DLP.  For known p that is 1024 bits long, nation-states can solve the DLP.</a:t>
+              <a:t>*Selection of p and α is not simple, so many implementations use the same values.  This was not thought to be a problem, but there are now attacks that allow much of the DLP problem to be solved ahead of time if the value of p is known.  When p is 512 bits and known ahead of time, server class machines can solve the DLP.  For known p that is 1024 bits long, nation-states can solve the DLP.</a:t>
             </a:r>
           </a:p>
         </p:txBody>
